--- a/중간보고서/테라무쌍_2주차중간보고.pptx
+++ b/중간보고서/테라무쌍_2주차중간보고.pptx
@@ -5,7 +5,7 @@
     <p:sldMasterId id="2147483732" r:id="rId1"/>
   </p:sldMasterIdLst>
   <p:notesMasterIdLst>
-    <p:notesMasterId r:id="rId14"/>
+    <p:notesMasterId r:id="rId17"/>
   </p:notesMasterIdLst>
   <p:sldIdLst>
     <p:sldId id="256" r:id="rId2"/>
@@ -19,7 +19,10 @@
     <p:sldId id="275" r:id="rId10"/>
     <p:sldId id="276" r:id="rId11"/>
     <p:sldId id="277" r:id="rId12"/>
-    <p:sldId id="265" r:id="rId13"/>
+    <p:sldId id="278" r:id="rId13"/>
+    <p:sldId id="279" r:id="rId14"/>
+    <p:sldId id="280" r:id="rId15"/>
+    <p:sldId id="265" r:id="rId16"/>
   </p:sldIdLst>
   <p:sldSz cx="9144000" cy="6858000" type="screen4x3"/>
   <p:notesSz cx="9144000" cy="6858000"/>
@@ -120,7 +123,7 @@
   </p:defaultTextStyle>
   <p:extLst>
     <p:ext uri="{EFAFB233-063F-42B5-8137-9DF3F51BA10A}">
-      <p15:sldGuideLst xmlns:p15="http://schemas.microsoft.com/office/powerpoint/2012/main" xmlns="">
+      <p15:sldGuideLst xmlns="" xmlns:p15="http://schemas.microsoft.com/office/powerpoint/2012/main">
         <p15:guide id="1" orient="horz" pos="2160">
           <p15:clr>
             <a:srgbClr val="A4A3A4"/>
@@ -134,7 +137,7 @@
       </p15:sldGuideLst>
     </p:ext>
     <p:ext uri="{2D200454-40CA-4A62-9FC3-DE9A4176ACB9}">
-      <p15:notesGuideLst xmlns:p15="http://schemas.microsoft.com/office/powerpoint/2012/main" xmlns=""/>
+      <p15:notesGuideLst xmlns="" xmlns:p15="http://schemas.microsoft.com/office/powerpoint/2012/main"/>
     </p:ext>
   </p:extLst>
 </p:presentation>
@@ -5244,7 +5247,7 @@
         </p:nvSpPr>
         <p:spPr>
           <a:xfrm>
-            <a:off x="420863" y="1969676"/>
+            <a:off x="420863" y="1700808"/>
             <a:ext cx="1079142" cy="523220"/>
           </a:xfrm>
           <a:prstGeom prst="rect">
@@ -5267,8 +5270,16 @@
                   </a:schemeClr>
                 </a:solidFill>
               </a:rPr>
-              <a:t>11/20</a:t>
-            </a:r>
+              <a:t>11/24</a:t>
+            </a:r>
+            <a:endParaRPr lang="en-US" altLang="ko-KR" sz="2800" b="1" dirty="0" smtClean="0">
+              <a:solidFill>
+                <a:schemeClr val="tx1">
+                  <a:lumMod val="85000"/>
+                  <a:lumOff val="15000"/>
+                </a:schemeClr>
+              </a:solidFill>
+            </a:endParaRPr>
           </a:p>
         </p:txBody>
       </p:sp>
@@ -5400,7 +5411,7 @@
       </p:sp>
       <p:pic>
         <p:nvPicPr>
-          <p:cNvPr id="6145" name="_x272268848" descr="EMB00003cf874c1"/>
+          <p:cNvPr id="6145" name="_x272268848"/>
           <p:cNvPicPr>
             <a:picLocks noChangeAspect="1" noChangeArrowheads="1"/>
           </p:cNvPicPr>
@@ -5414,15 +5425,14 @@
               </a:ext>
             </a:extLst>
           </a:blip>
-          <a:srcRect/>
           <a:stretch>
             <a:fillRect/>
           </a:stretch>
         </p:blipFill>
         <p:spPr bwMode="auto">
           <a:xfrm>
-            <a:off x="0" y="2996952"/>
-            <a:ext cx="9160934" cy="2376264"/>
+            <a:off x="0" y="3158922"/>
+            <a:ext cx="9160934" cy="2052324"/>
           </a:xfrm>
           <a:prstGeom prst="rect">
             <a:avLst/>
@@ -5602,7 +5612,7 @@
         </p:nvSpPr>
         <p:spPr>
           <a:xfrm>
-            <a:off x="420863" y="1969676"/>
+            <a:off x="420863" y="1700808"/>
             <a:ext cx="1079142" cy="523220"/>
           </a:xfrm>
           <a:prstGeom prst="rect">
@@ -5625,8 +5635,16 @@
                   </a:schemeClr>
                 </a:solidFill>
               </a:rPr>
-              <a:t>11/20</a:t>
-            </a:r>
+              <a:t>11/25</a:t>
+            </a:r>
+            <a:endParaRPr lang="en-US" altLang="ko-KR" sz="2800" b="1" dirty="0" smtClean="0">
+              <a:solidFill>
+                <a:schemeClr val="tx1">
+                  <a:lumMod val="85000"/>
+                  <a:lumOff val="15000"/>
+                </a:schemeClr>
+              </a:solidFill>
+            </a:endParaRPr>
           </a:p>
         </p:txBody>
       </p:sp>
@@ -5758,7 +5776,7 @@
       </p:sp>
       <p:pic>
         <p:nvPicPr>
-          <p:cNvPr id="5121" name="_x272269168" descr="EMB00003cf874c4"/>
+          <p:cNvPr id="5121" name="_x272269168"/>
           <p:cNvPicPr>
             <a:picLocks noChangeAspect="1" noChangeArrowheads="1"/>
           </p:cNvPicPr>
@@ -5772,15 +5790,14 @@
               </a:ext>
             </a:extLst>
           </a:blip>
-          <a:srcRect/>
           <a:stretch>
             <a:fillRect/>
           </a:stretch>
         </p:blipFill>
         <p:spPr bwMode="auto">
           <a:xfrm>
-            <a:off x="118261" y="2852936"/>
-            <a:ext cx="8918235" cy="2304256"/>
+            <a:off x="118261" y="3234904"/>
+            <a:ext cx="8918235" cy="1540320"/>
           </a:xfrm>
           <a:prstGeom prst="rect">
             <a:avLst/>
@@ -5952,9 +5969,1104 @@
           <a:chExt cx="0" cy="0"/>
         </a:xfrm>
       </p:grpSpPr>
+      <p:sp>
+        <p:nvSpPr>
+          <p:cNvPr id="7" name="TextBox 6"/>
+          <p:cNvSpPr txBox="1"/>
+          <p:nvPr/>
+        </p:nvSpPr>
+        <p:spPr>
+          <a:xfrm>
+            <a:off x="420863" y="1700808"/>
+            <a:ext cx="1079142" cy="523220"/>
+          </a:xfrm>
+          <a:prstGeom prst="rect">
+            <a:avLst/>
+          </a:prstGeom>
+          <a:noFill/>
+        </p:spPr>
+        <p:txBody>
+          <a:bodyPr wrap="none" rtlCol="0">
+            <a:spAutoFit/>
+          </a:bodyPr>
+          <a:lstStyle/>
+          <a:p>
+            <a:r>
+              <a:rPr lang="en-US" altLang="ko-KR" sz="2800" b="1" dirty="0" smtClean="0">
+                <a:solidFill>
+                  <a:schemeClr val="tx1">
+                    <a:lumMod val="85000"/>
+                    <a:lumOff val="15000"/>
+                  </a:schemeClr>
+                </a:solidFill>
+              </a:rPr>
+              <a:t>11/26</a:t>
+            </a:r>
+            <a:endParaRPr lang="en-US" altLang="ko-KR" sz="2800" b="1" dirty="0" smtClean="0">
+              <a:solidFill>
+                <a:schemeClr val="tx1">
+                  <a:lumMod val="85000"/>
+                  <a:lumOff val="15000"/>
+                </a:schemeClr>
+              </a:solidFill>
+            </a:endParaRPr>
+          </a:p>
+        </p:txBody>
+      </p:sp>
+      <p:sp>
+        <p:nvSpPr>
+          <p:cNvPr id="5" name="Rectangle 2"/>
+          <p:cNvSpPr>
+            <a:spLocks noChangeArrowheads="1"/>
+          </p:cNvSpPr>
+          <p:nvPr/>
+        </p:nvSpPr>
+        <p:spPr bwMode="auto">
+          <a:xfrm>
+            <a:off x="0" y="0"/>
+            <a:ext cx="9144000" cy="457200"/>
+          </a:xfrm>
+          <a:prstGeom prst="rect">
+            <a:avLst/>
+          </a:prstGeom>
+          <a:noFill/>
+          <a:ln>
+            <a:noFill/>
+          </a:ln>
+          <a:effectLst/>
+          <a:extLst>
+            <a:ext uri="{909E8E84-426E-40DD-AFC4-6F175D3DCCD1}">
+              <a14:hiddenFill xmlns:a14="http://schemas.microsoft.com/office/drawing/2010/main">
+                <a:solidFill>
+                  <a:schemeClr val="accent1"/>
+                </a:solidFill>
+              </a14:hiddenFill>
+            </a:ext>
+            <a:ext uri="{91240B29-F687-4F45-9708-019B960494DF}">
+              <a14:hiddenLine xmlns:a14="http://schemas.microsoft.com/office/drawing/2010/main" w="9525">
+                <a:solidFill>
+                  <a:schemeClr val="tx1"/>
+                </a:solidFill>
+                <a:miter lim="800000"/>
+                <a:headEnd/>
+                <a:tailEnd/>
+              </a14:hiddenLine>
+            </a:ext>
+            <a:ext uri="{AF507438-7753-43E0-B8FC-AC1667EBCBE1}">
+              <a14:hiddenEffects xmlns:a14="http://schemas.microsoft.com/office/drawing/2010/main">
+                <a:effectLst>
+                  <a:outerShdw dist="35921" dir="2700000" algn="ctr" rotWithShape="0">
+                    <a:schemeClr val="bg2"/>
+                  </a:outerShdw>
+                </a:effectLst>
+              </a14:hiddenEffects>
+            </a:ext>
+          </a:extLst>
+        </p:spPr>
+        <p:txBody>
+          <a:bodyPr vert="horz" wrap="none" lIns="91440" tIns="45720" rIns="91440" bIns="45720" numCol="1" anchor="ctr" anchorCtr="0" compatLnSpc="1">
+            <a:prstTxWarp prst="textNoShape">
+              <a:avLst/>
+            </a:prstTxWarp>
+            <a:spAutoFit/>
+          </a:bodyPr>
+          <a:lstStyle/>
+          <a:p>
+            <a:endParaRPr lang="ko-KR" altLang="en-US"/>
+          </a:p>
+        </p:txBody>
+      </p:sp>
+      <p:sp>
+        <p:nvSpPr>
+          <p:cNvPr id="3" name="Rectangle 2"/>
+          <p:cNvSpPr>
+            <a:spLocks noChangeArrowheads="1"/>
+          </p:cNvSpPr>
+          <p:nvPr/>
+        </p:nvSpPr>
+        <p:spPr bwMode="auto">
+          <a:xfrm>
+            <a:off x="0" y="0"/>
+            <a:ext cx="9144000" cy="457200"/>
+          </a:xfrm>
+          <a:prstGeom prst="rect">
+            <a:avLst/>
+          </a:prstGeom>
+          <a:noFill/>
+          <a:ln>
+            <a:noFill/>
+          </a:ln>
+          <a:effectLst/>
+          <a:extLst>
+            <a:ext uri="{909E8E84-426E-40DD-AFC4-6F175D3DCCD1}">
+              <a14:hiddenFill xmlns:a14="http://schemas.microsoft.com/office/drawing/2010/main">
+                <a:solidFill>
+                  <a:schemeClr val="accent1"/>
+                </a:solidFill>
+              </a14:hiddenFill>
+            </a:ext>
+            <a:ext uri="{91240B29-F687-4F45-9708-019B960494DF}">
+              <a14:hiddenLine xmlns:a14="http://schemas.microsoft.com/office/drawing/2010/main" w="9525">
+                <a:solidFill>
+                  <a:schemeClr val="tx1"/>
+                </a:solidFill>
+                <a:miter lim="800000"/>
+                <a:headEnd/>
+                <a:tailEnd/>
+              </a14:hiddenLine>
+            </a:ext>
+            <a:ext uri="{AF507438-7753-43E0-B8FC-AC1667EBCBE1}">
+              <a14:hiddenEffects xmlns:a14="http://schemas.microsoft.com/office/drawing/2010/main">
+                <a:effectLst>
+                  <a:outerShdw dist="35921" dir="2700000" algn="ctr" rotWithShape="0">
+                    <a:schemeClr val="bg2"/>
+                  </a:outerShdw>
+                </a:effectLst>
+              </a14:hiddenEffects>
+            </a:ext>
+          </a:extLst>
+        </p:spPr>
+        <p:txBody>
+          <a:bodyPr vert="horz" wrap="none" lIns="91440" tIns="45720" rIns="91440" bIns="45720" numCol="1" anchor="ctr" anchorCtr="0" compatLnSpc="1">
+            <a:prstTxWarp prst="textNoShape">
+              <a:avLst/>
+            </a:prstTxWarp>
+            <a:spAutoFit/>
+          </a:bodyPr>
+          <a:lstStyle/>
+          <a:p>
+            <a:endParaRPr lang="ko-KR" altLang="en-US"/>
+          </a:p>
+        </p:txBody>
+      </p:sp>
       <p:pic>
         <p:nvPicPr>
-          <p:cNvPr id="9218" name="Picture 2" descr="C:\Users\xogns\OneDrive\사진\프로젝트이슈01.PNG"/>
+          <p:cNvPr id="5121" name="_x272269168"/>
+          <p:cNvPicPr>
+            <a:picLocks noChangeAspect="1" noChangeArrowheads="1"/>
+          </p:cNvPicPr>
+          <p:nvPr/>
+        </p:nvPicPr>
+        <p:blipFill>
+          <a:blip r:embed="rId2">
+            <a:extLst>
+              <a:ext uri="{28A0092B-C50C-407E-A947-70E740481C1C}">
+                <a14:useLocalDpi xmlns:a14="http://schemas.microsoft.com/office/drawing/2010/main" val="0"/>
+              </a:ext>
+            </a:extLst>
+          </a:blip>
+          <a:stretch>
+            <a:fillRect/>
+          </a:stretch>
+        </p:blipFill>
+        <p:spPr bwMode="auto">
+          <a:xfrm>
+            <a:off x="8136" y="3212976"/>
+            <a:ext cx="9160688" cy="1944216"/>
+          </a:xfrm>
+          <a:prstGeom prst="rect">
+            <a:avLst/>
+          </a:prstGeom>
+          <a:noFill/>
+          <a:extLst>
+            <a:ext uri="{909E8E84-426E-40DD-AFC4-6F175D3DCCD1}">
+              <a14:hiddenFill xmlns:a14="http://schemas.microsoft.com/office/drawing/2010/main">
+                <a:solidFill>
+                  <a:srgbClr val="FFFFFF"/>
+                </a:solidFill>
+              </a14:hiddenFill>
+            </a:ext>
+          </a:extLst>
+        </p:spPr>
+      </p:pic>
+      <p:sp>
+        <p:nvSpPr>
+          <p:cNvPr id="8" name="제목 1"/>
+          <p:cNvSpPr txBox="1">
+            <a:spLocks/>
+          </p:cNvSpPr>
+          <p:nvPr/>
+        </p:nvSpPr>
+        <p:spPr>
+          <a:xfrm>
+            <a:off x="395536" y="476672"/>
+            <a:ext cx="8229600" cy="960120"/>
+          </a:xfrm>
+          <a:prstGeom prst="rect">
+            <a:avLst/>
+          </a:prstGeom>
+        </p:spPr>
+        <p:txBody>
+          <a:bodyPr vert="horz" lIns="91440" tIns="45720" rIns="91440" bIns="45720" rtlCol="0" anchor="ctr">
+            <a:normAutofit/>
+          </a:bodyPr>
+          <a:lstStyle>
+            <a:lvl1pPr algn="ctr" defTabSz="914400" rtl="0" eaLnBrk="1" latinLnBrk="1" hangingPunct="1">
+              <a:spcBef>
+                <a:spcPct val="0"/>
+              </a:spcBef>
+              <a:buNone/>
+              <a:defRPr sz="4400" kern="1200">
+                <a:solidFill>
+                  <a:schemeClr val="tx2"/>
+                </a:solidFill>
+                <a:latin typeface="+mj-lt"/>
+                <a:ea typeface="+mj-ea"/>
+                <a:cs typeface="+mj-cs"/>
+              </a:defRPr>
+            </a:lvl1pPr>
+            <a:lvl2pPr eaLnBrk="1" latinLnBrk="1" hangingPunct="1">
+              <a:defRPr>
+                <a:solidFill>
+                  <a:schemeClr val="tx2"/>
+                </a:solidFill>
+              </a:defRPr>
+            </a:lvl2pPr>
+            <a:lvl3pPr eaLnBrk="1" latinLnBrk="1" hangingPunct="1">
+              <a:defRPr>
+                <a:solidFill>
+                  <a:schemeClr val="tx2"/>
+                </a:solidFill>
+              </a:defRPr>
+            </a:lvl3pPr>
+            <a:lvl4pPr eaLnBrk="1" latinLnBrk="1" hangingPunct="1">
+              <a:defRPr>
+                <a:solidFill>
+                  <a:schemeClr val="tx2"/>
+                </a:solidFill>
+              </a:defRPr>
+            </a:lvl4pPr>
+            <a:lvl5pPr eaLnBrk="1" latinLnBrk="1" hangingPunct="1">
+              <a:defRPr>
+                <a:solidFill>
+                  <a:schemeClr val="tx2"/>
+                </a:solidFill>
+              </a:defRPr>
+            </a:lvl5pPr>
+            <a:lvl6pPr eaLnBrk="1" latinLnBrk="1" hangingPunct="1">
+              <a:defRPr>
+                <a:solidFill>
+                  <a:schemeClr val="tx2"/>
+                </a:solidFill>
+              </a:defRPr>
+            </a:lvl6pPr>
+            <a:lvl7pPr eaLnBrk="1" latinLnBrk="1" hangingPunct="1">
+              <a:defRPr>
+                <a:solidFill>
+                  <a:schemeClr val="tx2"/>
+                </a:solidFill>
+              </a:defRPr>
+            </a:lvl7pPr>
+            <a:lvl8pPr eaLnBrk="1" latinLnBrk="1" hangingPunct="1">
+              <a:defRPr>
+                <a:solidFill>
+                  <a:schemeClr val="tx2"/>
+                </a:solidFill>
+              </a:defRPr>
+            </a:lvl8pPr>
+            <a:lvl9pPr eaLnBrk="1" latinLnBrk="1" hangingPunct="1">
+              <a:defRPr>
+                <a:solidFill>
+                  <a:schemeClr val="tx2"/>
+                </a:solidFill>
+              </a:defRPr>
+            </a:lvl9pPr>
+          </a:lstStyle>
+          <a:p>
+            <a:pPr marL="857250" indent="-857250" algn="l">
+              <a:buFont typeface="+mj-lt"/>
+              <a:buAutoNum type="romanUcPeriod" startAt="3"/>
+            </a:pPr>
+            <a:r>
+              <a:rPr lang="ko-KR" altLang="en-US" sz="4000" b="1" dirty="0" err="1" smtClean="0"/>
+              <a:t>날짜별</a:t>
+            </a:r>
+            <a:r>
+              <a:rPr lang="ko-KR" altLang="en-US" sz="4000" b="1" dirty="0" smtClean="0"/>
+              <a:t> </a:t>
+            </a:r>
+            <a:r>
+              <a:rPr lang="en-US" altLang="ko-KR" sz="4000" b="1" dirty="0" smtClean="0"/>
+              <a:t>Commit, Push </a:t>
+            </a:r>
+            <a:r>
+              <a:rPr lang="ko-KR" altLang="en-US" sz="4000" b="1" dirty="0" smtClean="0"/>
+              <a:t>로그</a:t>
+            </a:r>
+            <a:endParaRPr lang="ko-KR" altLang="en-US" sz="4000" b="1" dirty="0"/>
+          </a:p>
+        </p:txBody>
+      </p:sp>
+    </p:spTree>
+    <p:extLst>
+      <p:ext uri="{BB962C8B-B14F-4D97-AF65-F5344CB8AC3E}">
+        <p14:creationId xmlns:p14="http://schemas.microsoft.com/office/powerpoint/2010/main" val="4101884706"/>
+      </p:ext>
+    </p:extLst>
+  </p:cSld>
+  <p:clrMapOvr>
+    <a:masterClrMapping/>
+  </p:clrMapOvr>
+  <p:timing>
+    <p:tnLst>
+      <p:par>
+        <p:cTn id="1" dur="indefinite" restart="never" nodeType="tmRoot"/>
+      </p:par>
+    </p:tnLst>
+  </p:timing>
+</p:sld>
+</file>
+
+<file path=ppt/slides/slide13.xml><?xml version="1.0" encoding="utf-8"?>
+<p:sld xmlns:a="http://schemas.openxmlformats.org/drawingml/2006/main" xmlns:r="http://schemas.openxmlformats.org/officeDocument/2006/relationships" xmlns:p="http://schemas.openxmlformats.org/presentationml/2006/main">
+  <p:cSld>
+    <p:spTree>
+      <p:nvGrpSpPr>
+        <p:cNvPr id="1" name=""/>
+        <p:cNvGrpSpPr/>
+        <p:nvPr/>
+      </p:nvGrpSpPr>
+      <p:grpSpPr>
+        <a:xfrm>
+          <a:off x="0" y="0"/>
+          <a:ext cx="0" cy="0"/>
+          <a:chOff x="0" y="0"/>
+          <a:chExt cx="0" cy="0"/>
+        </a:xfrm>
+      </p:grpSpPr>
+      <p:sp>
+        <p:nvSpPr>
+          <p:cNvPr id="7" name="TextBox 6"/>
+          <p:cNvSpPr txBox="1"/>
+          <p:nvPr/>
+        </p:nvSpPr>
+        <p:spPr>
+          <a:xfrm>
+            <a:off x="420863" y="1700808"/>
+            <a:ext cx="1079142" cy="523220"/>
+          </a:xfrm>
+          <a:prstGeom prst="rect">
+            <a:avLst/>
+          </a:prstGeom>
+          <a:noFill/>
+        </p:spPr>
+        <p:txBody>
+          <a:bodyPr wrap="none" rtlCol="0">
+            <a:spAutoFit/>
+          </a:bodyPr>
+          <a:lstStyle/>
+          <a:p>
+            <a:r>
+              <a:rPr lang="en-US" altLang="ko-KR" sz="2800" b="1" dirty="0" smtClean="0">
+                <a:solidFill>
+                  <a:schemeClr val="tx1">
+                    <a:lumMod val="85000"/>
+                    <a:lumOff val="15000"/>
+                  </a:schemeClr>
+                </a:solidFill>
+              </a:rPr>
+              <a:t>11/27</a:t>
+            </a:r>
+            <a:endParaRPr lang="en-US" altLang="ko-KR" sz="2800" b="1" dirty="0" smtClean="0">
+              <a:solidFill>
+                <a:schemeClr val="tx1">
+                  <a:lumMod val="85000"/>
+                  <a:lumOff val="15000"/>
+                </a:schemeClr>
+              </a:solidFill>
+            </a:endParaRPr>
+          </a:p>
+        </p:txBody>
+      </p:sp>
+      <p:sp>
+        <p:nvSpPr>
+          <p:cNvPr id="5" name="Rectangle 2"/>
+          <p:cNvSpPr>
+            <a:spLocks noChangeArrowheads="1"/>
+          </p:cNvSpPr>
+          <p:nvPr/>
+        </p:nvSpPr>
+        <p:spPr bwMode="auto">
+          <a:xfrm>
+            <a:off x="0" y="0"/>
+            <a:ext cx="9144000" cy="457200"/>
+          </a:xfrm>
+          <a:prstGeom prst="rect">
+            <a:avLst/>
+          </a:prstGeom>
+          <a:noFill/>
+          <a:ln>
+            <a:noFill/>
+          </a:ln>
+          <a:effectLst/>
+          <a:extLst>
+            <a:ext uri="{909E8E84-426E-40DD-AFC4-6F175D3DCCD1}">
+              <a14:hiddenFill xmlns:a14="http://schemas.microsoft.com/office/drawing/2010/main">
+                <a:solidFill>
+                  <a:schemeClr val="accent1"/>
+                </a:solidFill>
+              </a14:hiddenFill>
+            </a:ext>
+            <a:ext uri="{91240B29-F687-4F45-9708-019B960494DF}">
+              <a14:hiddenLine xmlns:a14="http://schemas.microsoft.com/office/drawing/2010/main" w="9525">
+                <a:solidFill>
+                  <a:schemeClr val="tx1"/>
+                </a:solidFill>
+                <a:miter lim="800000"/>
+                <a:headEnd/>
+                <a:tailEnd/>
+              </a14:hiddenLine>
+            </a:ext>
+            <a:ext uri="{AF507438-7753-43E0-B8FC-AC1667EBCBE1}">
+              <a14:hiddenEffects xmlns:a14="http://schemas.microsoft.com/office/drawing/2010/main">
+                <a:effectLst>
+                  <a:outerShdw dist="35921" dir="2700000" algn="ctr" rotWithShape="0">
+                    <a:schemeClr val="bg2"/>
+                  </a:outerShdw>
+                </a:effectLst>
+              </a14:hiddenEffects>
+            </a:ext>
+          </a:extLst>
+        </p:spPr>
+        <p:txBody>
+          <a:bodyPr vert="horz" wrap="none" lIns="91440" tIns="45720" rIns="91440" bIns="45720" numCol="1" anchor="ctr" anchorCtr="0" compatLnSpc="1">
+            <a:prstTxWarp prst="textNoShape">
+              <a:avLst/>
+            </a:prstTxWarp>
+            <a:spAutoFit/>
+          </a:bodyPr>
+          <a:lstStyle/>
+          <a:p>
+            <a:endParaRPr lang="ko-KR" altLang="en-US"/>
+          </a:p>
+        </p:txBody>
+      </p:sp>
+      <p:sp>
+        <p:nvSpPr>
+          <p:cNvPr id="3" name="Rectangle 2"/>
+          <p:cNvSpPr>
+            <a:spLocks noChangeArrowheads="1"/>
+          </p:cNvSpPr>
+          <p:nvPr/>
+        </p:nvSpPr>
+        <p:spPr bwMode="auto">
+          <a:xfrm>
+            <a:off x="0" y="0"/>
+            <a:ext cx="9144000" cy="457200"/>
+          </a:xfrm>
+          <a:prstGeom prst="rect">
+            <a:avLst/>
+          </a:prstGeom>
+          <a:noFill/>
+          <a:ln>
+            <a:noFill/>
+          </a:ln>
+          <a:effectLst/>
+          <a:extLst>
+            <a:ext uri="{909E8E84-426E-40DD-AFC4-6F175D3DCCD1}">
+              <a14:hiddenFill xmlns:a14="http://schemas.microsoft.com/office/drawing/2010/main">
+                <a:solidFill>
+                  <a:schemeClr val="accent1"/>
+                </a:solidFill>
+              </a14:hiddenFill>
+            </a:ext>
+            <a:ext uri="{91240B29-F687-4F45-9708-019B960494DF}">
+              <a14:hiddenLine xmlns:a14="http://schemas.microsoft.com/office/drawing/2010/main" w="9525">
+                <a:solidFill>
+                  <a:schemeClr val="tx1"/>
+                </a:solidFill>
+                <a:miter lim="800000"/>
+                <a:headEnd/>
+                <a:tailEnd/>
+              </a14:hiddenLine>
+            </a:ext>
+            <a:ext uri="{AF507438-7753-43E0-B8FC-AC1667EBCBE1}">
+              <a14:hiddenEffects xmlns:a14="http://schemas.microsoft.com/office/drawing/2010/main">
+                <a:effectLst>
+                  <a:outerShdw dist="35921" dir="2700000" algn="ctr" rotWithShape="0">
+                    <a:schemeClr val="bg2"/>
+                  </a:outerShdw>
+                </a:effectLst>
+              </a14:hiddenEffects>
+            </a:ext>
+          </a:extLst>
+        </p:spPr>
+        <p:txBody>
+          <a:bodyPr vert="horz" wrap="none" lIns="91440" tIns="45720" rIns="91440" bIns="45720" numCol="1" anchor="ctr" anchorCtr="0" compatLnSpc="1">
+            <a:prstTxWarp prst="textNoShape">
+              <a:avLst/>
+            </a:prstTxWarp>
+            <a:spAutoFit/>
+          </a:bodyPr>
+          <a:lstStyle/>
+          <a:p>
+            <a:endParaRPr lang="ko-KR" altLang="en-US"/>
+          </a:p>
+        </p:txBody>
+      </p:sp>
+      <p:pic>
+        <p:nvPicPr>
+          <p:cNvPr id="5121" name="_x272269168"/>
+          <p:cNvPicPr>
+            <a:picLocks noChangeAspect="1" noChangeArrowheads="1"/>
+          </p:cNvPicPr>
+          <p:nvPr/>
+        </p:nvPicPr>
+        <p:blipFill>
+          <a:blip r:embed="rId2">
+            <a:extLst>
+              <a:ext uri="{28A0092B-C50C-407E-A947-70E740481C1C}">
+                <a14:useLocalDpi xmlns:a14="http://schemas.microsoft.com/office/drawing/2010/main" val="0"/>
+              </a:ext>
+            </a:extLst>
+          </a:blip>
+          <a:stretch>
+            <a:fillRect/>
+          </a:stretch>
+        </p:blipFill>
+        <p:spPr bwMode="auto">
+          <a:xfrm>
+            <a:off x="118261" y="3246065"/>
+            <a:ext cx="8918235" cy="1517997"/>
+          </a:xfrm>
+          <a:prstGeom prst="rect">
+            <a:avLst/>
+          </a:prstGeom>
+          <a:noFill/>
+          <a:extLst>
+            <a:ext uri="{909E8E84-426E-40DD-AFC4-6F175D3DCCD1}">
+              <a14:hiddenFill xmlns:a14="http://schemas.microsoft.com/office/drawing/2010/main">
+                <a:solidFill>
+                  <a:srgbClr val="FFFFFF"/>
+                </a:solidFill>
+              </a14:hiddenFill>
+            </a:ext>
+          </a:extLst>
+        </p:spPr>
+      </p:pic>
+      <p:sp>
+        <p:nvSpPr>
+          <p:cNvPr id="8" name="제목 1"/>
+          <p:cNvSpPr txBox="1">
+            <a:spLocks/>
+          </p:cNvSpPr>
+          <p:nvPr/>
+        </p:nvSpPr>
+        <p:spPr>
+          <a:xfrm>
+            <a:off x="395536" y="476672"/>
+            <a:ext cx="8229600" cy="960120"/>
+          </a:xfrm>
+          <a:prstGeom prst="rect">
+            <a:avLst/>
+          </a:prstGeom>
+        </p:spPr>
+        <p:txBody>
+          <a:bodyPr vert="horz" lIns="91440" tIns="45720" rIns="91440" bIns="45720" rtlCol="0" anchor="ctr">
+            <a:normAutofit/>
+          </a:bodyPr>
+          <a:lstStyle>
+            <a:lvl1pPr algn="ctr" defTabSz="914400" rtl="0" eaLnBrk="1" latinLnBrk="1" hangingPunct="1">
+              <a:spcBef>
+                <a:spcPct val="0"/>
+              </a:spcBef>
+              <a:buNone/>
+              <a:defRPr sz="4400" kern="1200">
+                <a:solidFill>
+                  <a:schemeClr val="tx2"/>
+                </a:solidFill>
+                <a:latin typeface="+mj-lt"/>
+                <a:ea typeface="+mj-ea"/>
+                <a:cs typeface="+mj-cs"/>
+              </a:defRPr>
+            </a:lvl1pPr>
+            <a:lvl2pPr eaLnBrk="1" latinLnBrk="1" hangingPunct="1">
+              <a:defRPr>
+                <a:solidFill>
+                  <a:schemeClr val="tx2"/>
+                </a:solidFill>
+              </a:defRPr>
+            </a:lvl2pPr>
+            <a:lvl3pPr eaLnBrk="1" latinLnBrk="1" hangingPunct="1">
+              <a:defRPr>
+                <a:solidFill>
+                  <a:schemeClr val="tx2"/>
+                </a:solidFill>
+              </a:defRPr>
+            </a:lvl3pPr>
+            <a:lvl4pPr eaLnBrk="1" latinLnBrk="1" hangingPunct="1">
+              <a:defRPr>
+                <a:solidFill>
+                  <a:schemeClr val="tx2"/>
+                </a:solidFill>
+              </a:defRPr>
+            </a:lvl4pPr>
+            <a:lvl5pPr eaLnBrk="1" latinLnBrk="1" hangingPunct="1">
+              <a:defRPr>
+                <a:solidFill>
+                  <a:schemeClr val="tx2"/>
+                </a:solidFill>
+              </a:defRPr>
+            </a:lvl5pPr>
+            <a:lvl6pPr eaLnBrk="1" latinLnBrk="1" hangingPunct="1">
+              <a:defRPr>
+                <a:solidFill>
+                  <a:schemeClr val="tx2"/>
+                </a:solidFill>
+              </a:defRPr>
+            </a:lvl6pPr>
+            <a:lvl7pPr eaLnBrk="1" latinLnBrk="1" hangingPunct="1">
+              <a:defRPr>
+                <a:solidFill>
+                  <a:schemeClr val="tx2"/>
+                </a:solidFill>
+              </a:defRPr>
+            </a:lvl7pPr>
+            <a:lvl8pPr eaLnBrk="1" latinLnBrk="1" hangingPunct="1">
+              <a:defRPr>
+                <a:solidFill>
+                  <a:schemeClr val="tx2"/>
+                </a:solidFill>
+              </a:defRPr>
+            </a:lvl8pPr>
+            <a:lvl9pPr eaLnBrk="1" latinLnBrk="1" hangingPunct="1">
+              <a:defRPr>
+                <a:solidFill>
+                  <a:schemeClr val="tx2"/>
+                </a:solidFill>
+              </a:defRPr>
+            </a:lvl9pPr>
+          </a:lstStyle>
+          <a:p>
+            <a:pPr marL="857250" indent="-857250" algn="l">
+              <a:buFont typeface="+mj-lt"/>
+              <a:buAutoNum type="romanUcPeriod" startAt="3"/>
+            </a:pPr>
+            <a:r>
+              <a:rPr lang="ko-KR" altLang="en-US" sz="4000" b="1" dirty="0" err="1" smtClean="0"/>
+              <a:t>날짜별</a:t>
+            </a:r>
+            <a:r>
+              <a:rPr lang="ko-KR" altLang="en-US" sz="4000" b="1" dirty="0" smtClean="0"/>
+              <a:t> </a:t>
+            </a:r>
+            <a:r>
+              <a:rPr lang="en-US" altLang="ko-KR" sz="4000" b="1" dirty="0" smtClean="0"/>
+              <a:t>Commit, Push </a:t>
+            </a:r>
+            <a:r>
+              <a:rPr lang="ko-KR" altLang="en-US" sz="4000" b="1" dirty="0" smtClean="0"/>
+              <a:t>로그</a:t>
+            </a:r>
+            <a:endParaRPr lang="ko-KR" altLang="en-US" sz="4000" b="1" dirty="0"/>
+          </a:p>
+        </p:txBody>
+      </p:sp>
+    </p:spTree>
+    <p:extLst>
+      <p:ext uri="{BB962C8B-B14F-4D97-AF65-F5344CB8AC3E}">
+        <p14:creationId xmlns:p14="http://schemas.microsoft.com/office/powerpoint/2010/main" val="4101884706"/>
+      </p:ext>
+    </p:extLst>
+  </p:cSld>
+  <p:clrMapOvr>
+    <a:masterClrMapping/>
+  </p:clrMapOvr>
+  <p:timing>
+    <p:tnLst>
+      <p:par>
+        <p:cTn id="1" dur="indefinite" restart="never" nodeType="tmRoot"/>
+      </p:par>
+    </p:tnLst>
+  </p:timing>
+</p:sld>
+</file>
+
+<file path=ppt/slides/slide14.xml><?xml version="1.0" encoding="utf-8"?>
+<p:sld xmlns:a="http://schemas.openxmlformats.org/drawingml/2006/main" xmlns:r="http://schemas.openxmlformats.org/officeDocument/2006/relationships" xmlns:p="http://schemas.openxmlformats.org/presentationml/2006/main">
+  <p:cSld>
+    <p:spTree>
+      <p:nvGrpSpPr>
+        <p:cNvPr id="1" name=""/>
+        <p:cNvGrpSpPr/>
+        <p:nvPr/>
+      </p:nvGrpSpPr>
+      <p:grpSpPr>
+        <a:xfrm>
+          <a:off x="0" y="0"/>
+          <a:ext cx="0" cy="0"/>
+          <a:chOff x="0" y="0"/>
+          <a:chExt cx="0" cy="0"/>
+        </a:xfrm>
+      </p:grpSpPr>
+      <p:sp>
+        <p:nvSpPr>
+          <p:cNvPr id="7" name="TextBox 6"/>
+          <p:cNvSpPr txBox="1"/>
+          <p:nvPr/>
+        </p:nvSpPr>
+        <p:spPr>
+          <a:xfrm>
+            <a:off x="420863" y="1700808"/>
+            <a:ext cx="1079142" cy="523220"/>
+          </a:xfrm>
+          <a:prstGeom prst="rect">
+            <a:avLst/>
+          </a:prstGeom>
+          <a:noFill/>
+        </p:spPr>
+        <p:txBody>
+          <a:bodyPr wrap="none" rtlCol="0">
+            <a:spAutoFit/>
+          </a:bodyPr>
+          <a:lstStyle/>
+          <a:p>
+            <a:r>
+              <a:rPr lang="en-US" altLang="ko-KR" sz="2800" b="1" dirty="0" smtClean="0">
+                <a:solidFill>
+                  <a:schemeClr val="tx1">
+                    <a:lumMod val="85000"/>
+                    <a:lumOff val="15000"/>
+                  </a:schemeClr>
+                </a:solidFill>
+              </a:rPr>
+              <a:t>11/28</a:t>
+            </a:r>
+            <a:endParaRPr lang="en-US" altLang="ko-KR" sz="2800" b="1" dirty="0" smtClean="0">
+              <a:solidFill>
+                <a:schemeClr val="tx1">
+                  <a:lumMod val="85000"/>
+                  <a:lumOff val="15000"/>
+                </a:schemeClr>
+              </a:solidFill>
+            </a:endParaRPr>
+          </a:p>
+        </p:txBody>
+      </p:sp>
+      <p:sp>
+        <p:nvSpPr>
+          <p:cNvPr id="5" name="Rectangle 2"/>
+          <p:cNvSpPr>
+            <a:spLocks noChangeArrowheads="1"/>
+          </p:cNvSpPr>
+          <p:nvPr/>
+        </p:nvSpPr>
+        <p:spPr bwMode="auto">
+          <a:xfrm>
+            <a:off x="0" y="0"/>
+            <a:ext cx="9144000" cy="457200"/>
+          </a:xfrm>
+          <a:prstGeom prst="rect">
+            <a:avLst/>
+          </a:prstGeom>
+          <a:noFill/>
+          <a:ln>
+            <a:noFill/>
+          </a:ln>
+          <a:effectLst/>
+          <a:extLst>
+            <a:ext uri="{909E8E84-426E-40DD-AFC4-6F175D3DCCD1}">
+              <a14:hiddenFill xmlns:a14="http://schemas.microsoft.com/office/drawing/2010/main">
+                <a:solidFill>
+                  <a:schemeClr val="accent1"/>
+                </a:solidFill>
+              </a14:hiddenFill>
+            </a:ext>
+            <a:ext uri="{91240B29-F687-4F45-9708-019B960494DF}">
+              <a14:hiddenLine xmlns:a14="http://schemas.microsoft.com/office/drawing/2010/main" w="9525">
+                <a:solidFill>
+                  <a:schemeClr val="tx1"/>
+                </a:solidFill>
+                <a:miter lim="800000"/>
+                <a:headEnd/>
+                <a:tailEnd/>
+              </a14:hiddenLine>
+            </a:ext>
+            <a:ext uri="{AF507438-7753-43E0-B8FC-AC1667EBCBE1}">
+              <a14:hiddenEffects xmlns:a14="http://schemas.microsoft.com/office/drawing/2010/main">
+                <a:effectLst>
+                  <a:outerShdw dist="35921" dir="2700000" algn="ctr" rotWithShape="0">
+                    <a:schemeClr val="bg2"/>
+                  </a:outerShdw>
+                </a:effectLst>
+              </a14:hiddenEffects>
+            </a:ext>
+          </a:extLst>
+        </p:spPr>
+        <p:txBody>
+          <a:bodyPr vert="horz" wrap="none" lIns="91440" tIns="45720" rIns="91440" bIns="45720" numCol="1" anchor="ctr" anchorCtr="0" compatLnSpc="1">
+            <a:prstTxWarp prst="textNoShape">
+              <a:avLst/>
+            </a:prstTxWarp>
+            <a:spAutoFit/>
+          </a:bodyPr>
+          <a:lstStyle/>
+          <a:p>
+            <a:endParaRPr lang="ko-KR" altLang="en-US"/>
+          </a:p>
+        </p:txBody>
+      </p:sp>
+      <p:sp>
+        <p:nvSpPr>
+          <p:cNvPr id="3" name="Rectangle 2"/>
+          <p:cNvSpPr>
+            <a:spLocks noChangeArrowheads="1"/>
+          </p:cNvSpPr>
+          <p:nvPr/>
+        </p:nvSpPr>
+        <p:spPr bwMode="auto">
+          <a:xfrm>
+            <a:off x="0" y="0"/>
+            <a:ext cx="9144000" cy="457200"/>
+          </a:xfrm>
+          <a:prstGeom prst="rect">
+            <a:avLst/>
+          </a:prstGeom>
+          <a:noFill/>
+          <a:ln>
+            <a:noFill/>
+          </a:ln>
+          <a:effectLst/>
+          <a:extLst>
+            <a:ext uri="{909E8E84-426E-40DD-AFC4-6F175D3DCCD1}">
+              <a14:hiddenFill xmlns:a14="http://schemas.microsoft.com/office/drawing/2010/main">
+                <a:solidFill>
+                  <a:schemeClr val="accent1"/>
+                </a:solidFill>
+              </a14:hiddenFill>
+            </a:ext>
+            <a:ext uri="{91240B29-F687-4F45-9708-019B960494DF}">
+              <a14:hiddenLine xmlns:a14="http://schemas.microsoft.com/office/drawing/2010/main" w="9525">
+                <a:solidFill>
+                  <a:schemeClr val="tx1"/>
+                </a:solidFill>
+                <a:miter lim="800000"/>
+                <a:headEnd/>
+                <a:tailEnd/>
+              </a14:hiddenLine>
+            </a:ext>
+            <a:ext uri="{AF507438-7753-43E0-B8FC-AC1667EBCBE1}">
+              <a14:hiddenEffects xmlns:a14="http://schemas.microsoft.com/office/drawing/2010/main">
+                <a:effectLst>
+                  <a:outerShdw dist="35921" dir="2700000" algn="ctr" rotWithShape="0">
+                    <a:schemeClr val="bg2"/>
+                  </a:outerShdw>
+                </a:effectLst>
+              </a14:hiddenEffects>
+            </a:ext>
+          </a:extLst>
+        </p:spPr>
+        <p:txBody>
+          <a:bodyPr vert="horz" wrap="none" lIns="91440" tIns="45720" rIns="91440" bIns="45720" numCol="1" anchor="ctr" anchorCtr="0" compatLnSpc="1">
+            <a:prstTxWarp prst="textNoShape">
+              <a:avLst/>
+            </a:prstTxWarp>
+            <a:spAutoFit/>
+          </a:bodyPr>
+          <a:lstStyle/>
+          <a:p>
+            <a:endParaRPr lang="ko-KR" altLang="en-US"/>
+          </a:p>
+        </p:txBody>
+      </p:sp>
+      <p:pic>
+        <p:nvPicPr>
+          <p:cNvPr id="5121" name="_x272269168"/>
+          <p:cNvPicPr>
+            <a:picLocks noChangeAspect="1" noChangeArrowheads="1"/>
+          </p:cNvPicPr>
+          <p:nvPr/>
+        </p:nvPicPr>
+        <p:blipFill>
+          <a:blip r:embed="rId2">
+            <a:extLst>
+              <a:ext uri="{28A0092B-C50C-407E-A947-70E740481C1C}">
+                <a14:useLocalDpi xmlns:a14="http://schemas.microsoft.com/office/drawing/2010/main" val="0"/>
+              </a:ext>
+            </a:extLst>
+          </a:blip>
+          <a:stretch>
+            <a:fillRect/>
+          </a:stretch>
+        </p:blipFill>
+        <p:spPr bwMode="auto">
+          <a:xfrm>
+            <a:off x="0" y="2636912"/>
+            <a:ext cx="9144000" cy="2903220"/>
+          </a:xfrm>
+          <a:prstGeom prst="rect">
+            <a:avLst/>
+          </a:prstGeom>
+          <a:noFill/>
+          <a:extLst>
+            <a:ext uri="{909E8E84-426E-40DD-AFC4-6F175D3DCCD1}">
+              <a14:hiddenFill xmlns:a14="http://schemas.microsoft.com/office/drawing/2010/main">
+                <a:solidFill>
+                  <a:srgbClr val="FFFFFF"/>
+                </a:solidFill>
+              </a14:hiddenFill>
+            </a:ext>
+          </a:extLst>
+        </p:spPr>
+      </p:pic>
+      <p:sp>
+        <p:nvSpPr>
+          <p:cNvPr id="8" name="제목 1"/>
+          <p:cNvSpPr txBox="1">
+            <a:spLocks/>
+          </p:cNvSpPr>
+          <p:nvPr/>
+        </p:nvSpPr>
+        <p:spPr>
+          <a:xfrm>
+            <a:off x="395536" y="476672"/>
+            <a:ext cx="8229600" cy="960120"/>
+          </a:xfrm>
+          <a:prstGeom prst="rect">
+            <a:avLst/>
+          </a:prstGeom>
+        </p:spPr>
+        <p:txBody>
+          <a:bodyPr vert="horz" lIns="91440" tIns="45720" rIns="91440" bIns="45720" rtlCol="0" anchor="ctr">
+            <a:normAutofit/>
+          </a:bodyPr>
+          <a:lstStyle>
+            <a:lvl1pPr algn="ctr" defTabSz="914400" rtl="0" eaLnBrk="1" latinLnBrk="1" hangingPunct="1">
+              <a:spcBef>
+                <a:spcPct val="0"/>
+              </a:spcBef>
+              <a:buNone/>
+              <a:defRPr sz="4400" kern="1200">
+                <a:solidFill>
+                  <a:schemeClr val="tx2"/>
+                </a:solidFill>
+                <a:latin typeface="+mj-lt"/>
+                <a:ea typeface="+mj-ea"/>
+                <a:cs typeface="+mj-cs"/>
+              </a:defRPr>
+            </a:lvl1pPr>
+            <a:lvl2pPr eaLnBrk="1" latinLnBrk="1" hangingPunct="1">
+              <a:defRPr>
+                <a:solidFill>
+                  <a:schemeClr val="tx2"/>
+                </a:solidFill>
+              </a:defRPr>
+            </a:lvl2pPr>
+            <a:lvl3pPr eaLnBrk="1" latinLnBrk="1" hangingPunct="1">
+              <a:defRPr>
+                <a:solidFill>
+                  <a:schemeClr val="tx2"/>
+                </a:solidFill>
+              </a:defRPr>
+            </a:lvl3pPr>
+            <a:lvl4pPr eaLnBrk="1" latinLnBrk="1" hangingPunct="1">
+              <a:defRPr>
+                <a:solidFill>
+                  <a:schemeClr val="tx2"/>
+                </a:solidFill>
+              </a:defRPr>
+            </a:lvl4pPr>
+            <a:lvl5pPr eaLnBrk="1" latinLnBrk="1" hangingPunct="1">
+              <a:defRPr>
+                <a:solidFill>
+                  <a:schemeClr val="tx2"/>
+                </a:solidFill>
+              </a:defRPr>
+            </a:lvl5pPr>
+            <a:lvl6pPr eaLnBrk="1" latinLnBrk="1" hangingPunct="1">
+              <a:defRPr>
+                <a:solidFill>
+                  <a:schemeClr val="tx2"/>
+                </a:solidFill>
+              </a:defRPr>
+            </a:lvl6pPr>
+            <a:lvl7pPr eaLnBrk="1" latinLnBrk="1" hangingPunct="1">
+              <a:defRPr>
+                <a:solidFill>
+                  <a:schemeClr val="tx2"/>
+                </a:solidFill>
+              </a:defRPr>
+            </a:lvl7pPr>
+            <a:lvl8pPr eaLnBrk="1" latinLnBrk="1" hangingPunct="1">
+              <a:defRPr>
+                <a:solidFill>
+                  <a:schemeClr val="tx2"/>
+                </a:solidFill>
+              </a:defRPr>
+            </a:lvl8pPr>
+            <a:lvl9pPr eaLnBrk="1" latinLnBrk="1" hangingPunct="1">
+              <a:defRPr>
+                <a:solidFill>
+                  <a:schemeClr val="tx2"/>
+                </a:solidFill>
+              </a:defRPr>
+            </a:lvl9pPr>
+          </a:lstStyle>
+          <a:p>
+            <a:pPr marL="857250" indent="-857250" algn="l">
+              <a:buFont typeface="+mj-lt"/>
+              <a:buAutoNum type="romanUcPeriod" startAt="3"/>
+            </a:pPr>
+            <a:r>
+              <a:rPr lang="ko-KR" altLang="en-US" sz="4000" b="1" dirty="0" err="1" smtClean="0"/>
+              <a:t>날짜별</a:t>
+            </a:r>
+            <a:r>
+              <a:rPr lang="ko-KR" altLang="en-US" sz="4000" b="1" dirty="0" smtClean="0"/>
+              <a:t> </a:t>
+            </a:r>
+            <a:r>
+              <a:rPr lang="en-US" altLang="ko-KR" sz="4000" b="1" dirty="0" smtClean="0"/>
+              <a:t>Commit, Push </a:t>
+            </a:r>
+            <a:r>
+              <a:rPr lang="ko-KR" altLang="en-US" sz="4000" b="1" dirty="0" smtClean="0"/>
+              <a:t>로그</a:t>
+            </a:r>
+            <a:endParaRPr lang="ko-KR" altLang="en-US" sz="4000" b="1" dirty="0"/>
+          </a:p>
+        </p:txBody>
+      </p:sp>
+    </p:spTree>
+    <p:extLst>
+      <p:ext uri="{BB962C8B-B14F-4D97-AF65-F5344CB8AC3E}">
+        <p14:creationId xmlns:p14="http://schemas.microsoft.com/office/powerpoint/2010/main" val="4101884706"/>
+      </p:ext>
+    </p:extLst>
+  </p:cSld>
+  <p:clrMapOvr>
+    <a:masterClrMapping/>
+  </p:clrMapOvr>
+  <p:timing>
+    <p:tnLst>
+      <p:par>
+        <p:cTn id="1" dur="indefinite" restart="never" nodeType="tmRoot"/>
+      </p:par>
+    </p:tnLst>
+  </p:timing>
+</p:sld>
+</file>
+
+<file path=ppt/slides/slide15.xml><?xml version="1.0" encoding="utf-8"?>
+<p:sld xmlns:a="http://schemas.openxmlformats.org/drawingml/2006/main" xmlns:r="http://schemas.openxmlformats.org/officeDocument/2006/relationships" xmlns:p="http://schemas.openxmlformats.org/presentationml/2006/main">
+  <p:cSld>
+    <p:spTree>
+      <p:nvGrpSpPr>
+        <p:cNvPr id="1" name=""/>
+        <p:cNvGrpSpPr/>
+        <p:nvPr/>
+      </p:nvGrpSpPr>
+      <p:grpSpPr>
+        <a:xfrm>
+          <a:off x="0" y="0"/>
+          <a:ext cx="0" cy="0"/>
+          <a:chOff x="0" y="0"/>
+          <a:chExt cx="0" cy="0"/>
+        </a:xfrm>
+      </p:grpSpPr>
+      <p:pic>
+        <p:nvPicPr>
+          <p:cNvPr id="9218" name="Picture 2"/>
           <p:cNvPicPr>
             <a:picLocks noChangeAspect="1" noChangeArrowheads="1"/>
           </p:cNvPicPr>
@@ -5968,13 +7080,13 @@
               </a:ext>
             </a:extLst>
           </a:blip>
-          <a:srcRect l="1439" t="2166"/>
+          <a:srcRect l="323" t="3570"/>
           <a:stretch/>
         </p:blipFill>
         <p:spPr bwMode="auto">
           <a:xfrm>
-            <a:off x="427154" y="2132856"/>
-            <a:ext cx="7851860" cy="4117900"/>
+            <a:off x="-11461" y="2636912"/>
+            <a:ext cx="9134133" cy="2803252"/>
           </a:xfrm>
           <a:prstGeom prst="rect">
             <a:avLst/>
@@ -6528,11 +7640,7 @@
             </a:r>
             <a:r>
               <a:rPr lang="en-US" altLang="ko-KR" dirty="0" smtClean="0"/>
-              <a:t>, </a:t>
-            </a:r>
-            <a:r>
-              <a:rPr lang="en-US" altLang="ko-KR" dirty="0" smtClean="0"/>
-              <a:t>UI, </a:t>
+              <a:t>, UI, </a:t>
             </a:r>
             <a:r>
               <a:rPr lang="ko-KR" altLang="en-US" dirty="0" smtClean="0"/>
@@ -7742,7 +8850,7 @@
         </p:nvSpPr>
         <p:spPr>
           <a:xfrm>
-            <a:off x="420863" y="1969676"/>
+            <a:off x="420863" y="1700808"/>
             <a:ext cx="1079142" cy="523220"/>
           </a:xfrm>
           <a:prstGeom prst="rect">
@@ -7765,8 +8873,16 @@
                   </a:schemeClr>
                 </a:solidFill>
               </a:rPr>
-              <a:t>11/18</a:t>
-            </a:r>
+              <a:t>11/21</a:t>
+            </a:r>
+            <a:endParaRPr lang="en-US" altLang="ko-KR" sz="2800" b="1" dirty="0" smtClean="0">
+              <a:solidFill>
+                <a:schemeClr val="tx1">
+                  <a:lumMod val="85000"/>
+                  <a:lumOff val="15000"/>
+                </a:schemeClr>
+              </a:solidFill>
+            </a:endParaRPr>
           </a:p>
         </p:txBody>
       </p:sp>
@@ -7835,7 +8951,7 @@
       </p:sp>
       <p:pic>
         <p:nvPicPr>
-          <p:cNvPr id="4097" name="_x272267648" descr="EMB00003cf874b8"/>
+          <p:cNvPr id="4097" name="_x272267648"/>
           <p:cNvPicPr>
             <a:picLocks noChangeAspect="1" noChangeArrowheads="1"/>
           </p:cNvPicPr>
@@ -7849,15 +8965,14 @@
               </a:ext>
             </a:extLst>
           </a:blip>
-          <a:srcRect/>
           <a:stretch>
             <a:fillRect/>
           </a:stretch>
         </p:blipFill>
         <p:spPr bwMode="auto">
           <a:xfrm>
-            <a:off x="107504" y="2996952"/>
-            <a:ext cx="8935796" cy="2304256"/>
+            <a:off x="0" y="2453095"/>
+            <a:ext cx="9144000" cy="4360281"/>
           </a:xfrm>
           <a:prstGeom prst="rect">
             <a:avLst/>
@@ -8037,7 +9152,7 @@
         </p:nvSpPr>
         <p:spPr>
           <a:xfrm>
-            <a:off x="420863" y="1969676"/>
+            <a:off x="420863" y="1700808"/>
             <a:ext cx="1079142" cy="523220"/>
           </a:xfrm>
           <a:prstGeom prst="rect">
@@ -8060,8 +9175,16 @@
                   </a:schemeClr>
                 </a:solidFill>
               </a:rPr>
-              <a:t>11/19</a:t>
-            </a:r>
+              <a:t>11/22</a:t>
+            </a:r>
+            <a:endParaRPr lang="en-US" altLang="ko-KR" sz="2800" b="1" dirty="0" smtClean="0">
+              <a:solidFill>
+                <a:schemeClr val="tx1">
+                  <a:lumMod val="85000"/>
+                  <a:lumOff val="15000"/>
+                </a:schemeClr>
+              </a:solidFill>
+            </a:endParaRPr>
           </a:p>
         </p:txBody>
       </p:sp>
@@ -8193,7 +9316,7 @@
       </p:sp>
       <p:pic>
         <p:nvPicPr>
-          <p:cNvPr id="8193" name="_x272267808" descr="EMB00003cf874bb"/>
+          <p:cNvPr id="8193" name="_x272267808"/>
           <p:cNvPicPr>
             <a:picLocks noChangeAspect="1" noChangeArrowheads="1"/>
           </p:cNvPicPr>
@@ -8207,15 +9330,14 @@
               </a:ext>
             </a:extLst>
           </a:blip>
-          <a:srcRect t="2600"/>
           <a:stretch>
             <a:fillRect/>
           </a:stretch>
         </p:blipFill>
         <p:spPr bwMode="auto">
           <a:xfrm>
-            <a:off x="48196" y="2996952"/>
-            <a:ext cx="9022628" cy="2592288"/>
+            <a:off x="0" y="2708920"/>
+            <a:ext cx="9106166" cy="3312368"/>
           </a:xfrm>
           <a:prstGeom prst="rect">
             <a:avLst/>
@@ -8395,7 +9517,7 @@
         </p:nvSpPr>
         <p:spPr>
           <a:xfrm>
-            <a:off x="420863" y="1969676"/>
+            <a:off x="420863" y="1700808"/>
             <a:ext cx="1079142" cy="523220"/>
           </a:xfrm>
           <a:prstGeom prst="rect">
@@ -8418,8 +9540,16 @@
                   </a:schemeClr>
                 </a:solidFill>
               </a:rPr>
-              <a:t>11/19</a:t>
-            </a:r>
+              <a:t>11/23</a:t>
+            </a:r>
+            <a:endParaRPr lang="en-US" altLang="ko-KR" sz="2800" b="1" dirty="0" smtClean="0">
+              <a:solidFill>
+                <a:schemeClr val="tx1">
+                  <a:lumMod val="85000"/>
+                  <a:lumOff val="15000"/>
+                </a:schemeClr>
+              </a:solidFill>
+            </a:endParaRPr>
           </a:p>
         </p:txBody>
       </p:sp>
@@ -8551,7 +9681,7 @@
       </p:sp>
       <p:pic>
         <p:nvPicPr>
-          <p:cNvPr id="7169" name="_x272269808" descr="EMB00003cf874be"/>
+          <p:cNvPr id="7169" name="_x272269808"/>
           <p:cNvPicPr>
             <a:picLocks noChangeAspect="1" noChangeArrowheads="1"/>
           </p:cNvPicPr>
@@ -8565,15 +9695,14 @@
               </a:ext>
             </a:extLst>
           </a:blip>
-          <a:srcRect/>
           <a:stretch>
             <a:fillRect/>
           </a:stretch>
         </p:blipFill>
         <p:spPr bwMode="auto">
           <a:xfrm>
-            <a:off x="138668" y="3140968"/>
-            <a:ext cx="8885128" cy="2088232"/>
+            <a:off x="0" y="2852936"/>
+            <a:ext cx="9121012" cy="2880320"/>
           </a:xfrm>
           <a:prstGeom prst="rect">
             <a:avLst/>
@@ -9269,7 +10398,7 @@
   <a:extraClrSchemeLst/>
   <a:extLst>
     <a:ext uri="{05A4C25C-085E-4340-85A3-A5531E510DB2}">
-      <thm15:themeFamily xmlns:thm15="http://schemas.microsoft.com/office/thememl/2012/main" xmlns="" name="Office Theme" id="{62F939B6-93AF-4DB8-9C6B-D6C7DFDC589F}" vid="{4A3C46E8-61CC-4603-A589-7422A47A8E4A}"/>
+      <thm15:themeFamily xmlns="" xmlns:thm15="http://schemas.microsoft.com/office/thememl/2012/main" name="Office Theme" id="{62F939B6-93AF-4DB8-9C6B-D6C7DFDC589F}" vid="{4A3C46E8-61CC-4603-A589-7422A47A8E4A}"/>
     </a:ext>
   </a:extLst>
 </a:theme>
